--- a/share/IM数据分析平台.pptx
+++ b/share/IM数据分析平台.pptx
@@ -996,14 +996,6 @@
           <a:bodyPr/>
           <a:lstStyle/>
           <a:p>
-            <a:r>
-              <a:rPr lang="en-US" altLang="zh-CN"/>
-              <a:t>datalink </a:t>
-            </a:r>
-            <a:r>
-              <a:rPr lang="zh-CN" altLang="en-US"/>
-              <a:t>： http://10.104.104.241/userReq/autoLogin?userName=yang.zhang11  开源地址：</a:t>
-            </a:r>
             <a:endParaRPr lang="zh-CN" altLang="en-US"/>
           </a:p>
         </p:txBody>
@@ -1723,69 +1715,6 @@
         <p:txBody>
           <a:bodyPr/>
           <a:p>
-            <a:r>
-              <a:rPr lang="zh-CN" altLang="en-US"/>
-              <a:t>数据同步平台</a:t>
-            </a:r>
-            <a:r>
-              <a:rPr lang="en-US" altLang="zh-CN"/>
-              <a:t>Datalink</a:t>
-            </a:r>
-            <a:r>
-              <a:rPr lang="zh-CN" altLang="en-US"/>
-              <a:t>：http://10.104.104.241/userReq/autoLogin?userName=yang.zhang11</a:t>
-            </a:r>
-            <a:endParaRPr lang="zh-CN" altLang="en-US"/>
-          </a:p>
-          <a:p>
-            <a:r>
-              <a:rPr lang="en-US" altLang="zh-CN"/>
-              <a:t>hive</a:t>
-            </a:r>
-            <a:r>
-              <a:rPr lang="zh-CN" altLang="en-US"/>
-              <a:t>数据可视化</a:t>
-            </a:r>
-            <a:r>
-              <a:rPr lang="en-US" altLang="zh-CN"/>
-              <a:t> dspider </a:t>
-            </a:r>
-            <a:r>
-              <a:rPr lang="zh-CN" altLang="en-US"/>
-              <a:t>：</a:t>
-            </a:r>
-            <a:r>
-              <a:rPr lang="zh-CN" altLang="en-US">
-                <a:sym typeface="+mn-ea"/>
-              </a:rPr>
-              <a:t>http://</a:t>
-            </a:r>
-            <a:r>
-              <a:rPr lang="zh-CN" altLang="en-US"/>
-              <a:t>dspidertest.ucarinc.com</a:t>
-            </a:r>
-            <a:endParaRPr lang="zh-CN" altLang="en-US"/>
-          </a:p>
-          <a:p>
-            <a:r>
-              <a:rPr lang="en-US" altLang="zh-CN"/>
-              <a:t>spark</a:t>
-            </a:r>
-            <a:r>
-              <a:rPr lang="zh-CN" altLang="en-US"/>
-              <a:t>数据查询（一般不用）：http://zeppelintest.ucarinc.com</a:t>
-            </a:r>
-            <a:endParaRPr lang="zh-CN" altLang="en-US"/>
-          </a:p>
-          <a:p>
-            <a:r>
-              <a:rPr lang="en-US" altLang="zh-CN"/>
-              <a:t>sparkcube</a:t>
-            </a:r>
-            <a:r>
-              <a:rPr lang="zh-CN" altLang="en-US"/>
-              <a:t>分析平台：http://sparkcubetest.10101111.com/sparkcube/login</a:t>
-            </a:r>
             <a:endParaRPr lang="zh-CN" altLang="en-US"/>
           </a:p>
         </p:txBody>
@@ -9117,352 +9046,6 @@
           </a:p>
         </p:txBody>
       </p:sp>
-      <p:sp>
-        <p:nvSpPr>
-          <p:cNvPr id="5" name="文本框 4"/>
-          <p:cNvSpPr txBox="1"/>
-          <p:nvPr/>
-        </p:nvSpPr>
-        <p:spPr>
-          <a:xfrm>
-            <a:off x="3624580" y="1595755"/>
-            <a:ext cx="8388350" cy="4246245"/>
-          </a:xfrm>
-          <a:prstGeom prst="rect">
-            <a:avLst/>
-          </a:prstGeom>
-          <a:noFill/>
-        </p:spPr>
-        <p:txBody>
-          <a:bodyPr wrap="square" rtlCol="0" anchor="t">
-            <a:spAutoFit/>
-          </a:bodyPr>
-          <a:p>
-            <a:pPr marL="285750" indent="-285750">
-              <a:buFont typeface="Arial" panose="020B0604020202020204" pitchFamily="34" charset="0"/>
-              <a:buChar char="•"/>
-            </a:pPr>
-            <a:r>
-              <a:rPr lang="en-US" altLang="zh-CN" dirty="0">
-                <a:solidFill>
-                  <a:srgbClr val="6AE7FF"/>
-                </a:solidFill>
-              </a:rPr>
-              <a:t>Datalink</a:t>
-            </a:r>
-            <a:r>
-              <a:rPr lang="zh-CN" altLang="en-US" dirty="0">
-                <a:solidFill>
-                  <a:srgbClr val="6AE7FF"/>
-                </a:solidFill>
-              </a:rPr>
-              <a:t>问题：</a:t>
-            </a:r>
-            <a:r>
-              <a:rPr lang="en-US" altLang="zh-CN" dirty="0">
-                <a:solidFill>
-                  <a:srgbClr val="6AE7FF"/>
-                </a:solidFill>
-              </a:rPr>
-              <a:t>	</a:t>
-            </a:r>
-            <a:r>
-              <a:rPr lang="zh-CN" altLang="en-US" dirty="0">
-                <a:solidFill>
-                  <a:srgbClr val="6AE7FF"/>
-                </a:solidFill>
-              </a:rPr>
-              <a:t>http://wiki.10101111.com/pages/viewpage.action?spaceKey=architecture&amp;title=datalink</a:t>
-            </a:r>
-            <a:endParaRPr lang="zh-CN" altLang="en-US" dirty="0">
-              <a:solidFill>
-                <a:srgbClr val="6AE7FF"/>
-              </a:solidFill>
-            </a:endParaRPr>
-          </a:p>
-          <a:p>
-            <a:pPr marL="285750" indent="-285750">
-              <a:buFont typeface="Arial" panose="020B0604020202020204" pitchFamily="34" charset="0"/>
-              <a:buChar char="•"/>
-            </a:pPr>
-            <a:r>
-              <a:rPr lang="en-US" altLang="zh-CN" dirty="0">
-                <a:solidFill>
-                  <a:srgbClr val="6AE7FF"/>
-                </a:solidFill>
-              </a:rPr>
-              <a:t>Hive sql</a:t>
-            </a:r>
-            <a:r>
-              <a:rPr lang="zh-CN" altLang="en-US" dirty="0">
-                <a:solidFill>
-                  <a:srgbClr val="6AE7FF"/>
-                </a:solidFill>
-              </a:rPr>
-              <a:t>使用问题</a:t>
-            </a:r>
-            <a:endParaRPr lang="zh-CN" altLang="en-US" dirty="0">
-              <a:solidFill>
-                <a:srgbClr val="6AE7FF"/>
-              </a:solidFill>
-            </a:endParaRPr>
-          </a:p>
-          <a:p>
-            <a:pPr indent="0">
-              <a:buFont typeface="Arial" panose="020B0604020202020204" pitchFamily="34" charset="0"/>
-              <a:buNone/>
-            </a:pPr>
-            <a:r>
-              <a:rPr lang="en-US" altLang="zh-CN" dirty="0">
-                <a:solidFill>
-                  <a:srgbClr val="6AE7FF"/>
-                </a:solidFill>
-              </a:rPr>
-              <a:t>	</a:t>
-            </a:r>
-            <a:r>
-              <a:rPr lang="zh-CN" altLang="en-US" dirty="0">
-                <a:solidFill>
-                  <a:srgbClr val="6AE7FF"/>
-                </a:solidFill>
-                <a:sym typeface="+mn-ea"/>
-              </a:rPr>
-              <a:t> 底层</a:t>
-            </a:r>
-            <a:r>
-              <a:rPr lang="en-US" altLang="zh-CN" dirty="0">
-                <a:solidFill>
-                  <a:srgbClr val="6AE7FF"/>
-                </a:solidFill>
-                <a:sym typeface="+mn-ea"/>
-              </a:rPr>
-              <a:t>mapreduce</a:t>
-            </a:r>
-            <a:r>
-              <a:rPr lang="zh-CN" altLang="en-US" dirty="0">
-                <a:solidFill>
-                  <a:srgbClr val="6AE7FF"/>
-                </a:solidFill>
-                <a:sym typeface="+mn-ea"/>
-              </a:rPr>
-              <a:t>做计算引擎，不是随便写</a:t>
-            </a:r>
-            <a:r>
-              <a:rPr lang="en-US" altLang="zh-CN" dirty="0">
-                <a:solidFill>
-                  <a:srgbClr val="6AE7FF"/>
-                </a:solidFill>
-                <a:sym typeface="+mn-ea"/>
-              </a:rPr>
-              <a:t>sql</a:t>
-            </a:r>
-            <a:r>
-              <a:rPr lang="zh-CN" altLang="en-US" dirty="0">
-                <a:solidFill>
-                  <a:srgbClr val="6AE7FF"/>
-                </a:solidFill>
-                <a:sym typeface="+mn-ea"/>
-              </a:rPr>
-              <a:t>的</a:t>
-            </a:r>
-            <a:endParaRPr lang="zh-CN" altLang="en-US" dirty="0">
-              <a:solidFill>
-                <a:srgbClr val="6AE7FF"/>
-              </a:solidFill>
-            </a:endParaRPr>
-          </a:p>
-          <a:p>
-            <a:pPr marL="285750" indent="-285750">
-              <a:buFont typeface="Arial" panose="020B0604020202020204" pitchFamily="34" charset="0"/>
-              <a:buChar char="•"/>
-            </a:pPr>
-            <a:r>
-              <a:rPr lang="zh-CN" altLang="en-US" dirty="0">
-                <a:solidFill>
-                  <a:srgbClr val="6AE7FF"/>
-                </a:solidFill>
-                <a:sym typeface="+mn-ea"/>
-              </a:rPr>
-              <a:t> </a:t>
-            </a:r>
-            <a:r>
-              <a:rPr lang="en-US" altLang="zh-CN" dirty="0">
-                <a:solidFill>
-                  <a:srgbClr val="6AE7FF"/>
-                </a:solidFill>
-                <a:sym typeface="+mn-ea"/>
-              </a:rPr>
-              <a:t>datalink</a:t>
-            </a:r>
-            <a:r>
-              <a:rPr lang="zh-CN" altLang="en-US" dirty="0">
-                <a:solidFill>
-                  <a:srgbClr val="6AE7FF"/>
-                </a:solidFill>
-                <a:sym typeface="+mn-ea"/>
-              </a:rPr>
-              <a:t>的增量同步数据库是否有延时</a:t>
-            </a:r>
-            <a:endParaRPr lang="zh-CN" altLang="en-US" dirty="0">
-              <a:solidFill>
-                <a:srgbClr val="6AE7FF"/>
-              </a:solidFill>
-            </a:endParaRPr>
-          </a:p>
-          <a:p>
-            <a:pPr marL="285750" indent="-285750">
-              <a:buFont typeface="Arial" panose="020B0604020202020204" pitchFamily="34" charset="0"/>
-              <a:buChar char="•"/>
-            </a:pPr>
-            <a:endParaRPr lang="zh-CN" altLang="en-US" dirty="0">
-              <a:solidFill>
-                <a:srgbClr val="6AE7FF"/>
-              </a:solidFill>
-            </a:endParaRPr>
-          </a:p>
-          <a:p>
-            <a:pPr marL="285750" indent="-285750">
-              <a:buFont typeface="Arial" panose="020B0604020202020204" pitchFamily="34" charset="0"/>
-              <a:buChar char="•"/>
-            </a:pPr>
-            <a:endParaRPr lang="zh-CN" altLang="en-US" dirty="0">
-              <a:solidFill>
-                <a:srgbClr val="6AE7FF"/>
-              </a:solidFill>
-            </a:endParaRPr>
-          </a:p>
-          <a:p>
-            <a:pPr marL="285750" indent="-285750">
-              <a:buFont typeface="Arial" panose="020B0604020202020204" pitchFamily="34" charset="0"/>
-              <a:buChar char="•"/>
-            </a:pPr>
-            <a:endParaRPr lang="zh-CN" altLang="en-US" dirty="0">
-              <a:solidFill>
-                <a:srgbClr val="6AE7FF"/>
-              </a:solidFill>
-            </a:endParaRPr>
-          </a:p>
-          <a:p>
-            <a:pPr marL="285750" indent="-285750">
-              <a:buFont typeface="Arial" panose="020B0604020202020204" pitchFamily="34" charset="0"/>
-              <a:buChar char="•"/>
-            </a:pPr>
-            <a:endParaRPr lang="zh-CN" altLang="en-US" dirty="0">
-              <a:solidFill>
-                <a:srgbClr val="6AE7FF"/>
-              </a:solidFill>
-            </a:endParaRPr>
-          </a:p>
-          <a:p>
-            <a:pPr marL="285750" indent="-285750">
-              <a:buFont typeface="Arial" panose="020B0604020202020204" pitchFamily="34" charset="0"/>
-              <a:buChar char="•"/>
-            </a:pPr>
-            <a:r>
-              <a:rPr lang="zh-CN" altLang="en-US" dirty="0">
-                <a:solidFill>
-                  <a:srgbClr val="6AE7FF"/>
-                </a:solidFill>
-              </a:rPr>
-              <a:t>源库增加列时会影响同步库吗？</a:t>
-            </a:r>
-            <a:endParaRPr lang="zh-CN" altLang="en-US" dirty="0">
-              <a:solidFill>
-                <a:srgbClr val="6AE7FF"/>
-              </a:solidFill>
-            </a:endParaRPr>
-          </a:p>
-          <a:p>
-            <a:pPr indent="0">
-              <a:buFont typeface="Arial" panose="020B0604020202020204" pitchFamily="34" charset="0"/>
-              <a:buNone/>
-            </a:pPr>
-            <a:r>
-              <a:rPr lang="zh-CN" altLang="en-US" dirty="0">
-                <a:solidFill>
-                  <a:srgbClr val="6AE7FF"/>
-                </a:solidFill>
-              </a:rPr>
-              <a:t>        http://wiki.10101111.com/display/architecture/datalink  第四条</a:t>
-            </a:r>
-            <a:endParaRPr lang="zh-CN" altLang="en-US" dirty="0">
-              <a:solidFill>
-                <a:srgbClr val="6AE7FF"/>
-              </a:solidFill>
-            </a:endParaRPr>
-          </a:p>
-          <a:p>
-            <a:pPr indent="0">
-              <a:buFont typeface="Arial" panose="020B0604020202020204" pitchFamily="34" charset="0"/>
-              <a:buNone/>
-            </a:pPr>
-            <a:r>
-              <a:rPr lang="zh-CN" altLang="en-US" dirty="0">
-                <a:solidFill>
-                  <a:srgbClr val="6AE7FF"/>
-                </a:solidFill>
-              </a:rPr>
-              <a:t>                </a:t>
-            </a:r>
-            <a:endParaRPr lang="zh-CN" altLang="en-US" dirty="0">
-              <a:solidFill>
-                <a:srgbClr val="6AE7FF"/>
-              </a:solidFill>
-            </a:endParaRPr>
-          </a:p>
-          <a:p>
-            <a:pPr indent="0">
-              <a:buFont typeface="Arial" panose="020B0604020202020204" pitchFamily="34" charset="0"/>
-              <a:buNone/>
-            </a:pPr>
-            <a:endParaRPr lang="zh-CN" altLang="en-US" dirty="0">
-              <a:solidFill>
-                <a:srgbClr val="6AE7FF"/>
-              </a:solidFill>
-            </a:endParaRPr>
-          </a:p>
-          <a:p>
-            <a:pPr indent="0">
-              <a:buFont typeface="Arial" panose="020B0604020202020204" pitchFamily="34" charset="0"/>
-              <a:buNone/>
-            </a:pPr>
-            <a:r>
-              <a:rPr lang="zh-CN" altLang="en-US" dirty="0">
-                <a:solidFill>
-                  <a:srgbClr val="6AE7FF"/>
-                </a:solidFill>
-                <a:sym typeface="+mn-ea"/>
-              </a:rPr>
-              <a:t>　　</a:t>
-            </a:r>
-            <a:endParaRPr lang="zh-CN" altLang="en-US"/>
-          </a:p>
-        </p:txBody>
-      </p:sp>
-      <p:pic>
-        <p:nvPicPr>
-          <p:cNvPr id="2" name="图片 1"/>
-          <p:cNvPicPr>
-            <a:picLocks noChangeAspect="1"/>
-          </p:cNvPicPr>
-          <p:nvPr/>
-        </p:nvPicPr>
-        <p:blipFill>
-          <a:blip r:embed="rId1"/>
-          <a:stretch>
-            <a:fillRect/>
-          </a:stretch>
-        </p:blipFill>
-        <p:spPr>
-          <a:xfrm>
-            <a:off x="4598670" y="3331210"/>
-            <a:ext cx="4921885" cy="657225"/>
-          </a:xfrm>
-          <a:prstGeom prst="rect">
-            <a:avLst/>
-          </a:prstGeom>
-        </p:spPr>
-      </p:pic>
     </p:spTree>
   </p:cSld>
   <p:clrMapOvr>
@@ -12957,8 +12540,8 @@
         </p:blipFill>
         <p:spPr>
           <a:xfrm>
-            <a:off x="-205105" y="983615"/>
-            <a:ext cx="6154420" cy="4591685"/>
+            <a:off x="-83820" y="983615"/>
+            <a:ext cx="6033135" cy="4501515"/>
           </a:xfrm>
           <a:prstGeom prst="rect">
             <a:avLst/>
@@ -14794,30 +14377,6 @@
           </a:p>
         </p:txBody>
       </p:sp>
-      <p:pic>
-        <p:nvPicPr>
-          <p:cNvPr id="3" name="图片 2"/>
-          <p:cNvPicPr>
-            <a:picLocks noChangeAspect="1"/>
-          </p:cNvPicPr>
-          <p:nvPr/>
-        </p:nvPicPr>
-        <p:blipFill>
-          <a:blip r:embed="rId2"/>
-          <a:stretch>
-            <a:fillRect/>
-          </a:stretch>
-        </p:blipFill>
-        <p:spPr>
-          <a:xfrm>
-            <a:off x="628650" y="2159000"/>
-            <a:ext cx="3228975" cy="1085850"/>
-          </a:xfrm>
-          <a:prstGeom prst="rect">
-            <a:avLst/>
-          </a:prstGeom>
-        </p:spPr>
-      </p:pic>
       <p:sp>
         <p:nvSpPr>
           <p:cNvPr id="8" name="文本框 7"/>
